--- a/InClassAssignementModule5.pptx
+++ b/InClassAssignementModule5.pptx
@@ -3354,8 +3354,46 @@
           <a:lstStyle/>
           <a:p>
             <a:r>
-              <a:t>InClassAssignementModule5</a:t>
-            </a:r>
+              <a:rPr dirty="0"/>
+              <a:t>In</a:t>
+            </a:r>
+            <a:r>
+              <a:rPr lang="en-US" dirty="0"/>
+              <a:t> </a:t>
+            </a:r>
+            <a:r>
+              <a:rPr dirty="0"/>
+              <a:t>Class</a:t>
+            </a:r>
+            <a:r>
+              <a:rPr lang="en-US" dirty="0"/>
+              <a:t> </a:t>
+            </a:r>
+            <a:r>
+              <a:rPr dirty="0"/>
+              <a:t>Assignment</a:t>
+            </a:r>
+            <a:r>
+              <a:rPr lang="en-US" dirty="0"/>
+              <a:t> </a:t>
+            </a:r>
+            <a:r>
+              <a:rPr dirty="0"/>
+              <a:t>Module</a:t>
+            </a:r>
+            <a:r>
+              <a:rPr lang="en-US" dirty="0"/>
+              <a:t> </a:t>
+            </a:r>
+            <a:r>
+              <a:rPr dirty="0"/>
+              <a:t>5</a:t>
+            </a:r>
+            <a:r>
+              <a:rPr lang="en-US" dirty="0"/>
+              <a:t>b</a:t>
+            </a:r>
+            <a:endParaRPr dirty="0"/>
           </a:p>
         </p:txBody>
       </p:sp>
@@ -3382,11 +3420,7 @@
           <a:p>
             <a:r>
               <a:rPr lang="en-US" dirty="0"/>
-              <a:t>Kadin McWilliams </a:t>
-            </a:r>
-            <a:r>
-              <a:rPr lang="en-US"/>
-              <a:t>and Morgan Hardin</a:t>
+              <a:t>Kadin McWilliams and Morgan Hardin</a:t>
             </a:r>
           </a:p>
           <a:p>
